--- a/框病徵界面流程規劃.pptx
+++ b/框病徵界面流程規劃.pptx
@@ -254,7 +254,7 @@
           <a:p>
             <a:fld id="{01467487-3EC2-420E-AB70-56309B59F440}" type="datetimeFigureOut">
               <a:rPr lang="zh-TW" altLang="en-US" smtClean="0"/>
-              <a:t>2019/5/27</a:t>
+              <a:t>2019/6/27</a:t>
             </a:fld>
             <a:endParaRPr lang="zh-TW" altLang="en-US"/>
           </a:p>
@@ -672,11 +672,7 @@
           <a:p>
             <a:r>
               <a:rPr lang="zh-TW" altLang="en-US" dirty="0" smtClean="0"/>
-              <a:t>一次</a:t>
-            </a:r>
-            <a:r>
-              <a:rPr lang="zh-TW" altLang="en-US" dirty="0" smtClean="0"/>
-              <a:t>框多個</a:t>
+              <a:t>一次框多個</a:t>
             </a:r>
             <a:r>
               <a:rPr lang="en-US" altLang="zh-TW" dirty="0" smtClean="0"/>
@@ -684,11 +680,7 @@
             </a:r>
             <a:r>
               <a:rPr lang="zh-TW" altLang="en-US" dirty="0" smtClean="0"/>
-              <a:t>的情況</a:t>
-            </a:r>
-            <a:r>
-              <a:rPr lang="zh-TW" altLang="en-US" dirty="0" smtClean="0"/>
-              <a:t>下：</a:t>
+              <a:t>的情況下：</a:t>
             </a:r>
             <a:endParaRPr lang="en-US" altLang="zh-TW" dirty="0" smtClean="0"/>
           </a:p>
@@ -5948,113 +5940,91 @@
           </a:prstGeom>
         </p:spPr>
       </p:pic>
-      <p:grpSp>
-        <p:nvGrpSpPr>
-          <p:cNvPr id="22" name="群組 21"/>
-          <p:cNvGrpSpPr/>
+      <p:pic>
+        <p:nvPicPr>
+          <p:cNvPr id="5" name="圖片 4"/>
+          <p:cNvPicPr>
+            <a:picLocks noChangeAspect="1"/>
+          </p:cNvPicPr>
           <p:nvPr/>
-        </p:nvGrpSpPr>
-        <p:grpSpPr>
+        </p:nvPicPr>
+        <p:blipFill rotWithShape="1">
+          <a:blip r:embed="rId3"/>
+          <a:srcRect l="32259" t="67623" r="1623" b="18446"/>
+          <a:stretch/>
+        </p:blipFill>
+        <p:spPr>
           <a:xfrm>
-            <a:off x="4056521" y="3272431"/>
-            <a:ext cx="7628576" cy="1718306"/>
-            <a:chOff x="4056521" y="3272431"/>
-            <a:chExt cx="7628576" cy="1718306"/>
+            <a:off x="4678313" y="4144195"/>
+            <a:ext cx="7628576" cy="1044370"/>
           </a:xfrm>
-        </p:grpSpPr>
-        <p:grpSp>
-          <p:nvGrpSpPr>
-            <p:cNvPr id="10" name="群組 9"/>
-            <p:cNvGrpSpPr/>
-            <p:nvPr/>
-          </p:nvGrpSpPr>
-          <p:grpSpPr>
-            <a:xfrm>
-              <a:off x="4056521" y="3652486"/>
-              <a:ext cx="7628576" cy="1338251"/>
-              <a:chOff x="1122629" y="2649265"/>
-              <a:chExt cx="7034543" cy="1113702"/>
-            </a:xfrm>
-          </p:grpSpPr>
-          <p:pic>
-            <p:nvPicPr>
-              <p:cNvPr id="5" name="圖片 4"/>
-              <p:cNvPicPr>
-                <a:picLocks noChangeAspect="1"/>
-              </p:cNvPicPr>
-              <p:nvPr/>
-            </p:nvPicPr>
-            <p:blipFill rotWithShape="1">
-              <a:blip r:embed="rId3"/>
-              <a:srcRect l="32259" t="67623" r="1623" b="18446"/>
-              <a:stretch/>
-            </p:blipFill>
-            <p:spPr>
-              <a:xfrm>
-                <a:off x="1122629" y="2649265"/>
-                <a:ext cx="7034543" cy="869133"/>
-              </a:xfrm>
-              <a:prstGeom prst="rect">
-                <a:avLst/>
-              </a:prstGeom>
-            </p:spPr>
-          </p:pic>
-          <p:pic>
-            <p:nvPicPr>
-              <p:cNvPr id="9" name="圖片 8"/>
-              <p:cNvPicPr>
-                <a:picLocks noChangeAspect="1"/>
-              </p:cNvPicPr>
-              <p:nvPr/>
-            </p:nvPicPr>
-            <p:blipFill rotWithShape="1">
-              <a:blip r:embed="rId3"/>
-              <a:srcRect l="32021" t="89340" r="904" b="6796"/>
-              <a:stretch/>
-            </p:blipFill>
-            <p:spPr>
-              <a:xfrm>
-                <a:off x="1122629" y="3527322"/>
-                <a:ext cx="6980222" cy="235645"/>
-              </a:xfrm>
-              <a:prstGeom prst="rect">
-                <a:avLst/>
-              </a:prstGeom>
-            </p:spPr>
-          </p:pic>
-        </p:grpSp>
-        <p:sp>
-          <p:nvSpPr>
-            <p:cNvPr id="20" name="矩形 19"/>
-            <p:cNvSpPr/>
-            <p:nvPr/>
-          </p:nvSpPr>
-          <p:spPr>
-            <a:xfrm>
-              <a:off x="4056521" y="3272431"/>
-              <a:ext cx="1569660" cy="369332"/>
-            </a:xfrm>
-            <a:prstGeom prst="rect">
-              <a:avLst/>
-            </a:prstGeom>
-          </p:spPr>
-          <p:txBody>
-            <a:bodyPr wrap="none">
-              <a:spAutoFit/>
-            </a:bodyPr>
-            <a:lstStyle/>
-            <a:p>
-              <a:r>
-                <a:rPr lang="zh-TW" altLang="en-US" dirty="0">
-                  <a:latin typeface="+mj-ea"/>
-                  <a:ea typeface="+mj-ea"/>
-                </a:rPr>
-                <a:t>聚類結果挑選</a:t>
-              </a:r>
-            </a:p>
-          </p:txBody>
-        </p:sp>
-      </p:grpSp>
+          <a:prstGeom prst="rect">
+            <a:avLst/>
+          </a:prstGeom>
+        </p:spPr>
+      </p:pic>
+      <p:pic>
+        <p:nvPicPr>
+          <p:cNvPr id="9" name="圖片 8"/>
+          <p:cNvPicPr>
+            <a:picLocks noChangeAspect="1"/>
+          </p:cNvPicPr>
+          <p:nvPr/>
+        </p:nvPicPr>
+        <p:blipFill rotWithShape="1">
+          <a:blip r:embed="rId3">
+            <a:duotone>
+              <a:prstClr val="black"/>
+              <a:schemeClr val="tx1">
+                <a:tint val="45000"/>
+                <a:satMod val="400000"/>
+              </a:schemeClr>
+            </a:duotone>
+          </a:blip>
+          <a:srcRect l="32021" t="89340" r="904" b="6796"/>
+          <a:stretch/>
+        </p:blipFill>
+        <p:spPr>
+          <a:xfrm>
+            <a:off x="4678313" y="5199287"/>
+            <a:ext cx="7569668" cy="283157"/>
+          </a:xfrm>
+          <a:prstGeom prst="rect">
+            <a:avLst/>
+          </a:prstGeom>
+        </p:spPr>
+      </p:pic>
+      <p:sp>
+        <p:nvSpPr>
+          <p:cNvPr id="20" name="矩形 19"/>
+          <p:cNvSpPr/>
+          <p:nvPr/>
+        </p:nvSpPr>
+        <p:spPr>
+          <a:xfrm>
+            <a:off x="4678313" y="3764141"/>
+            <a:ext cx="1569660" cy="369332"/>
+          </a:xfrm>
+          <a:prstGeom prst="rect">
+            <a:avLst/>
+          </a:prstGeom>
+        </p:spPr>
+        <p:txBody>
+          <a:bodyPr wrap="none">
+            <a:spAutoFit/>
+          </a:bodyPr>
+          <a:lstStyle/>
+          <a:p>
+            <a:r>
+              <a:rPr lang="zh-TW" altLang="en-US" dirty="0">
+                <a:latin typeface="+mj-ea"/>
+                <a:ea typeface="+mj-ea"/>
+              </a:rPr>
+              <a:t>聚類結果挑選</a:t>
+            </a:r>
+          </a:p>
+        </p:txBody>
+      </p:sp>
       <p:sp>
         <p:nvSpPr>
           <p:cNvPr id="2" name="矩形 1"/>
@@ -6153,7 +6123,7 @@
           </a:p>
           <a:p>
             <a:r>
-              <a:rPr lang="zh-TW" altLang="en-US" sz="1200" dirty="0">
+              <a:rPr lang="zh-TW" altLang="en-US" sz="1200" dirty="0" smtClean="0">
                 <a:solidFill>
                   <a:schemeClr val="tx1">
                     <a:lumMod val="50000"/>
@@ -6166,7 +6136,7 @@
               <a:t>演算法一次全部</a:t>
             </a:r>
             <a:r>
-              <a:rPr lang="en-US" altLang="zh-TW" sz="1200" dirty="0">
+              <a:rPr lang="en-US" altLang="zh-TW" sz="1200" dirty="0" smtClean="0">
                 <a:solidFill>
                   <a:schemeClr val="tx1">
                     <a:lumMod val="50000"/>
@@ -6179,7 +6149,7 @@
               <a:t>pixel-wise</a:t>
             </a:r>
             <a:r>
-              <a:rPr lang="zh-TW" altLang="en-US" sz="1200" dirty="0">
+              <a:rPr lang="zh-TW" altLang="en-US" sz="1200" dirty="0" smtClean="0">
                 <a:solidFill>
                   <a:schemeClr val="tx1">
                     <a:lumMod val="50000"/>
@@ -6189,7 +6159,20 @@
                 <a:latin typeface="+mj-ea"/>
                 <a:ea typeface="+mj-ea"/>
               </a:rPr>
-              <a:t>完成後</a:t>
+              <a:t>完成</a:t>
+            </a:r>
+            <a:r>
+              <a:rPr lang="zh-TW" altLang="en-US" sz="1200" dirty="0">
+                <a:solidFill>
+                  <a:schemeClr val="tx1">
+                    <a:lumMod val="50000"/>
+                    <a:lumOff val="50000"/>
+                  </a:schemeClr>
+                </a:solidFill>
+                <a:latin typeface="+mj-ea"/>
+                <a:ea typeface="+mj-ea"/>
+              </a:rPr>
+              <a:t>後</a:t>
             </a:r>
             <a:r>
               <a:rPr lang="zh-TW" altLang="en-US" sz="1200" dirty="0" smtClean="0">
@@ -6230,7 +6213,7 @@
               <a:t>再</a:t>
             </a:r>
             <a:r>
-              <a:rPr lang="zh-TW" altLang="en-US" sz="1200" dirty="0">
+              <a:rPr lang="zh-TW" altLang="en-US" sz="1200" dirty="0" smtClean="0">
                 <a:solidFill>
                   <a:schemeClr val="tx1">
                     <a:lumMod val="50000"/>
@@ -6240,7 +6223,20 @@
                 <a:latin typeface="+mj-ea"/>
                 <a:ea typeface="+mj-ea"/>
               </a:rPr>
-              <a:t>依序對每個</a:t>
+              <a:t>依序對</a:t>
+            </a:r>
+            <a:r>
+              <a:rPr lang="zh-TW" altLang="en-US" sz="1200" dirty="0">
+                <a:solidFill>
+                  <a:schemeClr val="tx1">
+                    <a:lumMod val="50000"/>
+                    <a:lumOff val="50000"/>
+                  </a:schemeClr>
+                </a:solidFill>
+                <a:latin typeface="+mj-ea"/>
+                <a:ea typeface="+mj-ea"/>
+              </a:rPr>
+              <a:t>每個</a:t>
             </a:r>
             <a:r>
               <a:rPr lang="en-US" altLang="zh-TW" sz="1200" dirty="0">
@@ -6281,6 +6277,69 @@
           </a:p>
         </p:txBody>
       </p:sp>
+      <p:pic>
+        <p:nvPicPr>
+          <p:cNvPr id="23" name="圖片 22"/>
+          <p:cNvPicPr>
+            <a:picLocks noChangeAspect="1"/>
+          </p:cNvPicPr>
+          <p:nvPr/>
+        </p:nvPicPr>
+        <p:blipFill rotWithShape="1">
+          <a:blip r:embed="rId3">
+            <a:duotone>
+              <a:prstClr val="black"/>
+              <a:schemeClr val="tx1">
+                <a:tint val="45000"/>
+                <a:satMod val="400000"/>
+              </a:schemeClr>
+            </a:duotone>
+          </a:blip>
+          <a:srcRect l="32021" t="89340" r="904" b="6796"/>
+          <a:stretch/>
+        </p:blipFill>
+        <p:spPr>
+          <a:xfrm>
+            <a:off x="4678313" y="5782196"/>
+            <a:ext cx="7569668" cy="283157"/>
+          </a:xfrm>
+          <a:prstGeom prst="rect">
+            <a:avLst/>
+          </a:prstGeom>
+        </p:spPr>
+      </p:pic>
+      <p:pic>
+        <p:nvPicPr>
+          <p:cNvPr id="8" name="圖片 7"/>
+          <p:cNvPicPr>
+            <a:picLocks noChangeAspect="1"/>
+          </p:cNvPicPr>
+          <p:nvPr/>
+        </p:nvPicPr>
+        <p:blipFill>
+          <a:blip r:embed="rId5">
+            <a:duotone>
+              <a:prstClr val="black"/>
+              <a:schemeClr val="tx1">
+                <a:tint val="45000"/>
+                <a:satMod val="400000"/>
+              </a:schemeClr>
+            </a:duotone>
+          </a:blip>
+          <a:stretch>
+            <a:fillRect/>
+          </a:stretch>
+        </p:blipFill>
+        <p:spPr>
+          <a:xfrm>
+            <a:off x="869556" y="5676458"/>
+            <a:ext cx="7571888" cy="280440"/>
+          </a:xfrm>
+          <a:prstGeom prst="rect">
+            <a:avLst/>
+          </a:prstGeom>
+        </p:spPr>
+      </p:pic>
     </p:spTree>
     <p:extLst>
       <p:ext uri="{BB962C8B-B14F-4D97-AF65-F5344CB8AC3E}">
@@ -6497,7 +6556,7 @@
           <p:spPr>
             <a:xfrm>
               <a:off x="1901228" y="2966137"/>
-              <a:ext cx="805758" cy="806523"/>
+              <a:ext cx="805757" cy="806523"/>
             </a:xfrm>
             <a:prstGeom prst="rect">
               <a:avLst/>
@@ -7046,35 +7105,21 @@
                 <a:latin typeface="+mj-ea"/>
                 <a:ea typeface="+mj-ea"/>
               </a:rPr>
-              <a:t>時，同時顯示原圖與紅色</a:t>
+              <a:t>時，同時顯示原圖與紅色病徵</a:t>
+            </a:r>
+            <a:r>
+              <a:rPr lang="en-US" altLang="zh-TW" dirty="0">
+                <a:latin typeface="+mj-ea"/>
+                <a:ea typeface="+mj-ea"/>
+              </a:rPr>
+              <a:t>pixel-wise</a:t>
             </a:r>
             <a:r>
               <a:rPr lang="zh-TW" altLang="en-US" dirty="0" smtClean="0">
                 <a:latin typeface="+mj-ea"/>
                 <a:ea typeface="+mj-ea"/>
               </a:rPr>
-              <a:t>病徵</a:t>
-            </a:r>
-            <a:r>
-              <a:rPr lang="en-US" altLang="zh-TW" dirty="0">
-                <a:latin typeface="+mj-ea"/>
-                <a:ea typeface="+mj-ea"/>
-              </a:rPr>
-              <a:t>pixel-wise</a:t>
-            </a:r>
-            <a:r>
-              <a:rPr lang="zh-TW" altLang="en-US" dirty="0" smtClean="0">
-                <a:latin typeface="+mj-ea"/>
-                <a:ea typeface="+mj-ea"/>
-              </a:rPr>
-              <a:t>結果</a:t>
-            </a:r>
-            <a:r>
-              <a:rPr lang="zh-TW" altLang="en-US" dirty="0" smtClean="0">
-                <a:latin typeface="+mj-ea"/>
-                <a:ea typeface="+mj-ea"/>
-              </a:rPr>
-              <a:t>圖</a:t>
+              <a:t>結果圖</a:t>
             </a:r>
             <a:endParaRPr lang="zh-TW" altLang="en-US" dirty="0">
               <a:latin typeface="+mj-ea"/>
@@ -7261,14 +7306,7 @@
                   <a:latin typeface="+mj-ea"/>
                   <a:ea typeface="+mj-ea"/>
                 </a:rPr>
-                <a:t>紅色病徵</a:t>
-              </a:r>
-              <a:r>
-                <a:rPr lang="zh-TW" altLang="en-US" dirty="0" smtClean="0">
-                  <a:latin typeface="+mj-ea"/>
-                  <a:ea typeface="+mj-ea"/>
-                </a:rPr>
-                <a:t>結果 </a:t>
+                <a:t>紅色病徵結果 </a:t>
               </a:r>
               <a:r>
                 <a:rPr lang="en-US" altLang="zh-TW" dirty="0" smtClean="0">
@@ -11034,14 +11072,7 @@
                 <a:latin typeface="+mj-ea"/>
                 <a:ea typeface="+mj-ea"/>
               </a:rPr>
-              <a:t>m</a:t>
-            </a:r>
-            <a:r>
-              <a:rPr lang="en-US" altLang="zh-TW" dirty="0" smtClean="0">
-                <a:latin typeface="+mj-ea"/>
-                <a:ea typeface="+mj-ea"/>
-              </a:rPr>
-              <a:t>ask </a:t>
+              <a:t>mask </a:t>
             </a:r>
             <a:r>
               <a:rPr lang="zh-TW" altLang="en-US" dirty="0">
@@ -12969,11 +13000,7 @@
           <a:p>
             <a:r>
               <a:rPr lang="zh-TW" altLang="en-US" dirty="0" smtClean="0"/>
-              <a:t>框病徵工具介面</a:t>
-            </a:r>
-            <a:r>
-              <a:rPr lang="zh-TW" altLang="en-US" dirty="0" smtClean="0"/>
-              <a:t>流程</a:t>
+              <a:t>框病徵工具介面流程</a:t>
             </a:r>
             <a:endParaRPr lang="zh-TW" altLang="en-US" dirty="0"/>
           </a:p>
@@ -13091,11 +13118,7 @@
             </a:r>
             <a:r>
               <a:rPr lang="zh-TW" altLang="en-US" dirty="0" smtClean="0"/>
-              <a:t> 需實地</a:t>
-            </a:r>
-            <a:r>
-              <a:rPr lang="zh-TW" altLang="en-US" dirty="0" smtClean="0"/>
-              <a:t>安裝 </a:t>
+              <a:t> 需實地安裝 </a:t>
             </a:r>
             <a:r>
               <a:rPr lang="en-US" altLang="zh-TW" dirty="0" smtClean="0">
@@ -13121,11 +13144,6 @@
               </a:rPr>
               <a:t>)</a:t>
             </a:r>
-            <a:endParaRPr lang="en-US" altLang="zh-TW" dirty="0" smtClean="0">
-              <a:solidFill>
-                <a:srgbClr val="FF0000"/>
-              </a:solidFill>
-            </a:endParaRPr>
           </a:p>
           <a:p>
             <a:pPr lvl="1"/>
@@ -13262,7 +13280,6 @@
               <a:rPr lang="en-US" altLang="zh-TW" sz="2400" dirty="0" smtClean="0"/>
               <a:t>:</a:t>
             </a:r>
-            <a:endParaRPr lang="en-US" altLang="zh-TW" sz="2400" dirty="0" smtClean="0"/>
           </a:p>
           <a:p>
             <a:pPr lvl="1"/>
@@ -13296,19 +13313,7 @@
             </a:r>
             <a:r>
               <a:rPr lang="zh-TW" altLang="en-US" sz="2400" dirty="0" smtClean="0"/>
-              <a:t> </a:t>
-            </a:r>
-            <a:r>
-              <a:rPr lang="zh-TW" altLang="en-US" sz="2400" dirty="0" smtClean="0"/>
-              <a:t>當場框</a:t>
-            </a:r>
-            <a:r>
-              <a:rPr lang="zh-TW" altLang="en-US" sz="2400" dirty="0" smtClean="0"/>
-              <a:t>選</a:t>
-            </a:r>
-            <a:r>
-              <a:rPr lang="zh-TW" altLang="en-US" sz="2400" dirty="0" smtClean="0"/>
-              <a:t>；</a:t>
+              <a:t> 當場框選；</a:t>
             </a:r>
             <a:endParaRPr lang="en-US" altLang="zh-TW" sz="2400" dirty="0" smtClean="0"/>
           </a:p>
@@ -13334,7 +13339,6 @@
               <a:rPr lang="en-US" altLang="zh-TW" sz="2400" dirty="0" smtClean="0"/>
               <a:t>(?)</a:t>
             </a:r>
-            <a:endParaRPr lang="en-US" altLang="zh-TW" sz="2400" dirty="0" smtClean="0"/>
           </a:p>
           <a:p>
             <a:pPr marL="0" indent="0">
@@ -13571,11 +13575,7 @@
           <a:p>
             <a:r>
               <a:rPr lang="zh-TW" altLang="en-US" sz="2400" dirty="0" smtClean="0"/>
-              <a:t>僅需保留五種病徵：微血管瘤、出血、硬滲出、軟滲出</a:t>
-            </a:r>
-            <a:r>
-              <a:rPr lang="zh-TW" altLang="en-US" sz="2400" dirty="0" smtClean="0"/>
-              <a:t>、</a:t>
+              <a:t>僅需保留五種病徵：微血管瘤、出血、硬滲出、軟滲出、</a:t>
             </a:r>
             <a:r>
               <a:rPr lang="en-US" altLang="zh-TW" sz="2400" dirty="0" err="1" smtClean="0">
@@ -13783,7 +13783,6 @@
               <a:rPr lang="zh-TW" altLang="en-US" dirty="0"/>
               <a:t>工具</a:t>
             </a:r>
-            <a:endParaRPr lang="zh-TW" altLang="en-US" dirty="0"/>
           </a:p>
         </p:txBody>
       </p:sp>
